--- a/Brainstorm.pptx
+++ b/Brainstorm.pptx
@@ -3362,7 +3362,7 @@
         </p:spPr>
         <p:txBody>
           <a:bodyPr>
-            <a:normAutofit fontScale="70000" lnSpcReduction="20000"/>
+            <a:normAutofit fontScale="55000" lnSpcReduction="20000"/>
           </a:bodyPr>
           <a:lstStyle/>
           <a:p>
@@ -3559,28 +3559,9 @@
                 <a:spcPct val="110000"/>
               </a:lnSpc>
             </a:pPr>
-            <a:endParaRPr lang="en-US" sz="1200" dirty="0"/>
-          </a:p>
-          <a:p>
-            <a:pPr>
-              <a:lnSpc>
-                <a:spcPct val="110000"/>
-              </a:lnSpc>
-            </a:pPr>
             <a:r>
               <a:rPr lang="en-US" sz="1200" dirty="0"/>
-              <a:t>Guessing incorrectly { spins up / takes you back]</a:t>
-            </a:r>
-          </a:p>
-          <a:p>
-            <a:pPr>
-              <a:lnSpc>
-                <a:spcPct val="110000"/>
-              </a:lnSpc>
-            </a:pPr>
-            <a:r>
-              <a:rPr lang="en-US" sz="1200" dirty="0"/>
-              <a:t>“the bring it back”</a:t>
+              <a:t>Type of emoji’s you won with</a:t>
             </a:r>
           </a:p>
           <a:p>
@@ -3599,13 +3580,38 @@
             </a:pPr>
             <a:r>
               <a:rPr lang="en-US" sz="1200" dirty="0"/>
-              <a:t>What to do with touchscreens about </a:t>
-            </a:r>
-            <a:r>
-              <a:rPr lang="en-US" sz="1200"/>
-              <a:t>mouse movement?</a:t>
-            </a:r>
+              <a:t>Guessing incorrectly { spins up / takes you back]</a:t>
+            </a:r>
+          </a:p>
+          <a:p>
+            <a:pPr>
+              <a:lnSpc>
+                <a:spcPct val="110000"/>
+              </a:lnSpc>
+            </a:pPr>
+            <a:r>
+              <a:rPr lang="en-US" sz="1200" dirty="0"/>
+              <a:t>“the bring it back”</a:t>
+            </a:r>
+          </a:p>
+          <a:p>
+            <a:pPr>
+              <a:lnSpc>
+                <a:spcPct val="110000"/>
+              </a:lnSpc>
+            </a:pPr>
             <a:endParaRPr lang="en-US" sz="1200" dirty="0"/>
+          </a:p>
+          <a:p>
+            <a:pPr>
+              <a:lnSpc>
+                <a:spcPct val="110000"/>
+              </a:lnSpc>
+            </a:pPr>
+            <a:r>
+              <a:rPr lang="en-US" sz="1200" dirty="0"/>
+              <a:t>What to do with touchscreens about mouse movement?</a:t>
+            </a:r>
           </a:p>
           <a:p>
             <a:pPr>
@@ -3676,6 +3682,36 @@
           <a:xfrm>
             <a:off x="1" y="0"/>
             <a:ext cx="3468414" cy="1950983"/>
+          </a:xfrm>
+          <a:prstGeom prst="rect">
+            <a:avLst/>
+          </a:prstGeom>
+        </p:spPr>
+      </p:pic>
+      <p:pic>
+        <p:nvPicPr>
+          <p:cNvPr id="5" name="Picture 4">
+            <a:extLst>
+              <a:ext uri="{FF2B5EF4-FFF2-40B4-BE49-F238E27FC236}">
+                <a16:creationId xmlns:a16="http://schemas.microsoft.com/office/drawing/2014/main" id="{77F57F8E-1818-48D4-A350-21E58A670583}"/>
+              </a:ext>
+            </a:extLst>
+          </p:cNvPr>
+          <p:cNvPicPr>
+            <a:picLocks noChangeAspect="1"/>
+          </p:cNvPicPr>
+          <p:nvPr/>
+        </p:nvPicPr>
+        <p:blipFill>
+          <a:blip r:embed="rId3"/>
+          <a:stretch>
+            <a:fillRect/>
+          </a:stretch>
+        </p:blipFill>
+        <p:spPr>
+          <a:xfrm>
+            <a:off x="0" y="3993502"/>
+            <a:ext cx="5092441" cy="2864498"/>
           </a:xfrm>
           <a:prstGeom prst="rect">
             <a:avLst/>
